--- a/docs/wireframes/all_wireframes.pptx
+++ b/docs/wireframes/all_wireframes.pptx
@@ -69,7 +69,7 @@
         <p:spPr>
           <a:xfrm>
             <a:off x="504000" y="301320"/>
-            <a:ext cx="9071280" cy="1261800"/>
+            <a:ext cx="9072000" cy="1261800"/>
           </a:xfrm>
           <a:prstGeom prst="rect">
             <a:avLst/>
@@ -95,8 +95,8 @@
         </p:nvSpPr>
         <p:spPr>
           <a:xfrm>
-            <a:off x="504000" y="1769040"/>
-            <a:ext cx="9071280" cy="2090880"/>
+            <a:off x="504000" y="1768680"/>
+            <a:ext cx="9072000" cy="2090880"/>
           </a:xfrm>
           <a:prstGeom prst="rect">
             <a:avLst/>
@@ -121,8 +121,8 @@
         </p:nvSpPr>
         <p:spPr>
           <a:xfrm>
-            <a:off x="504000" y="4059000"/>
-            <a:ext cx="9071280" cy="2090880"/>
+            <a:off x="504000" y="4058640"/>
+            <a:ext cx="9072000" cy="2090880"/>
           </a:xfrm>
           <a:prstGeom prst="rect">
             <a:avLst/>
@@ -170,7 +170,7 @@
         <p:spPr>
           <a:xfrm>
             <a:off x="504000" y="301320"/>
-            <a:ext cx="9071280" cy="1261800"/>
+            <a:ext cx="9072000" cy="1261800"/>
           </a:xfrm>
           <a:prstGeom prst="rect">
             <a:avLst/>
@@ -196,8 +196,8 @@
         </p:nvSpPr>
         <p:spPr>
           <a:xfrm>
-            <a:off x="504000" y="1769040"/>
-            <a:ext cx="4426560" cy="2090880"/>
+            <a:off x="504000" y="1768680"/>
+            <a:ext cx="4426920" cy="2090880"/>
           </a:xfrm>
           <a:prstGeom prst="rect">
             <a:avLst/>
@@ -222,8 +222,8 @@
         </p:nvSpPr>
         <p:spPr>
           <a:xfrm>
-            <a:off x="5152320" y="1769040"/>
-            <a:ext cx="4426560" cy="2090880"/>
+            <a:off x="5152680" y="1768680"/>
+            <a:ext cx="4426920" cy="2090880"/>
           </a:xfrm>
           <a:prstGeom prst="rect">
             <a:avLst/>
@@ -248,8 +248,8 @@
         </p:nvSpPr>
         <p:spPr>
           <a:xfrm>
-            <a:off x="5152320" y="4059000"/>
-            <a:ext cx="4426560" cy="2090880"/>
+            <a:off x="5152680" y="4058640"/>
+            <a:ext cx="4426920" cy="2090880"/>
           </a:xfrm>
           <a:prstGeom prst="rect">
             <a:avLst/>
@@ -274,8 +274,8 @@
         </p:nvSpPr>
         <p:spPr>
           <a:xfrm>
-            <a:off x="504000" y="4059000"/>
-            <a:ext cx="4426560" cy="2090880"/>
+            <a:off x="504000" y="4058640"/>
+            <a:ext cx="4426920" cy="2090880"/>
           </a:xfrm>
           <a:prstGeom prst="rect">
             <a:avLst/>
@@ -323,7 +323,7 @@
         <p:spPr>
           <a:xfrm>
             <a:off x="504000" y="301320"/>
-            <a:ext cx="9071280" cy="1261800"/>
+            <a:ext cx="9072000" cy="1261800"/>
           </a:xfrm>
           <a:prstGeom prst="rect">
             <a:avLst/>
@@ -349,8 +349,8 @@
         </p:nvSpPr>
         <p:spPr>
           <a:xfrm>
-            <a:off x="504000" y="1769040"/>
-            <a:ext cx="9071280" cy="4384080"/>
+            <a:off x="504000" y="1768680"/>
+            <a:ext cx="9072000" cy="4384080"/>
           </a:xfrm>
           <a:prstGeom prst="rect">
             <a:avLst/>
@@ -375,8 +375,8 @@
         </p:nvSpPr>
         <p:spPr>
           <a:xfrm>
-            <a:off x="504000" y="1769040"/>
-            <a:ext cx="9071280" cy="4384080"/>
+            <a:off x="504000" y="1768680"/>
+            <a:ext cx="9072000" cy="4384080"/>
           </a:xfrm>
           <a:prstGeom prst="rect">
             <a:avLst/>
@@ -401,7 +401,7 @@
         </p:blipFill>
         <p:spPr>
           <a:xfrm>
-            <a:off x="2290680" y="1769040"/>
+            <a:off x="2291040" y="1768680"/>
             <a:ext cx="5497560" cy="4384080"/>
           </a:xfrm>
           <a:prstGeom prst="rect">
@@ -424,7 +424,7 @@
         </p:blipFill>
         <p:spPr>
           <a:xfrm>
-            <a:off x="2290680" y="1769040"/>
+            <a:off x="2291040" y="1768680"/>
             <a:ext cx="5497560" cy="4384080"/>
           </a:xfrm>
           <a:prstGeom prst="rect">
@@ -492,7 +492,7 @@
         <p:spPr>
           <a:xfrm>
             <a:off x="504000" y="301320"/>
-            <a:ext cx="9071280" cy="1261800"/>
+            <a:ext cx="9072000" cy="1261800"/>
           </a:xfrm>
           <a:prstGeom prst="rect">
             <a:avLst/>
@@ -518,8 +518,8 @@
         </p:nvSpPr>
         <p:spPr>
           <a:xfrm>
-            <a:off x="504000" y="1769040"/>
-            <a:ext cx="9071280" cy="4384080"/>
+            <a:off x="504000" y="1768680"/>
+            <a:ext cx="9072000" cy="4384080"/>
           </a:xfrm>
           <a:prstGeom prst="rect">
             <a:avLst/>
@@ -568,7 +568,7 @@
         <p:spPr>
           <a:xfrm>
             <a:off x="504000" y="301320"/>
-            <a:ext cx="9071280" cy="1261800"/>
+            <a:ext cx="9072000" cy="1261800"/>
           </a:xfrm>
           <a:prstGeom prst="rect">
             <a:avLst/>
@@ -594,8 +594,8 @@
         </p:nvSpPr>
         <p:spPr>
           <a:xfrm>
-            <a:off x="504000" y="1769040"/>
-            <a:ext cx="9071280" cy="4384080"/>
+            <a:off x="504000" y="1768680"/>
+            <a:ext cx="9072000" cy="4384080"/>
           </a:xfrm>
           <a:prstGeom prst="rect">
             <a:avLst/>
@@ -643,7 +643,7 @@
         <p:spPr>
           <a:xfrm>
             <a:off x="504000" y="301320"/>
-            <a:ext cx="9071280" cy="1261800"/>
+            <a:ext cx="9072000" cy="1261800"/>
           </a:xfrm>
           <a:prstGeom prst="rect">
             <a:avLst/>
@@ -669,8 +669,8 @@
         </p:nvSpPr>
         <p:spPr>
           <a:xfrm>
-            <a:off x="504000" y="1769040"/>
-            <a:ext cx="4426560" cy="4384080"/>
+            <a:off x="504000" y="1768680"/>
+            <a:ext cx="4426920" cy="4384080"/>
           </a:xfrm>
           <a:prstGeom prst="rect">
             <a:avLst/>
@@ -695,8 +695,8 @@
         </p:nvSpPr>
         <p:spPr>
           <a:xfrm>
-            <a:off x="5152320" y="1769040"/>
-            <a:ext cx="4426560" cy="4384080"/>
+            <a:off x="5152680" y="1768680"/>
+            <a:ext cx="4426920" cy="4384080"/>
           </a:xfrm>
           <a:prstGeom prst="rect">
             <a:avLst/>
@@ -744,7 +744,7 @@
         <p:spPr>
           <a:xfrm>
             <a:off x="504000" y="301320"/>
-            <a:ext cx="9071280" cy="1261800"/>
+            <a:ext cx="9072000" cy="1261800"/>
           </a:xfrm>
           <a:prstGeom prst="rect">
             <a:avLst/>
@@ -793,7 +793,7 @@
         <p:spPr>
           <a:xfrm>
             <a:off x="504000" y="301320"/>
-            <a:ext cx="9071280" cy="5850360"/>
+            <a:ext cx="9072000" cy="5850360"/>
           </a:xfrm>
           <a:prstGeom prst="rect">
             <a:avLst/>
@@ -842,7 +842,7 @@
         <p:spPr>
           <a:xfrm>
             <a:off x="504000" y="301320"/>
-            <a:ext cx="9071280" cy="1261800"/>
+            <a:ext cx="9072000" cy="1261800"/>
           </a:xfrm>
           <a:prstGeom prst="rect">
             <a:avLst/>
@@ -868,8 +868,8 @@
         </p:nvSpPr>
         <p:spPr>
           <a:xfrm>
-            <a:off x="504000" y="1769040"/>
-            <a:ext cx="4426560" cy="2090880"/>
+            <a:off x="504000" y="1768680"/>
+            <a:ext cx="4426920" cy="2090880"/>
           </a:xfrm>
           <a:prstGeom prst="rect">
             <a:avLst/>
@@ -894,8 +894,8 @@
         </p:nvSpPr>
         <p:spPr>
           <a:xfrm>
-            <a:off x="504000" y="4059000"/>
-            <a:ext cx="4426560" cy="2090880"/>
+            <a:off x="504000" y="4058640"/>
+            <a:ext cx="4426920" cy="2090880"/>
           </a:xfrm>
           <a:prstGeom prst="rect">
             <a:avLst/>
@@ -920,8 +920,8 @@
         </p:nvSpPr>
         <p:spPr>
           <a:xfrm>
-            <a:off x="5152320" y="1769040"/>
-            <a:ext cx="4426560" cy="4384080"/>
+            <a:off x="5152680" y="1768680"/>
+            <a:ext cx="4426920" cy="4384080"/>
           </a:xfrm>
           <a:prstGeom prst="rect">
             <a:avLst/>
@@ -969,7 +969,7 @@
         <p:spPr>
           <a:xfrm>
             <a:off x="504000" y="301320"/>
-            <a:ext cx="9071280" cy="1261800"/>
+            <a:ext cx="9072000" cy="1261800"/>
           </a:xfrm>
           <a:prstGeom prst="rect">
             <a:avLst/>
@@ -995,8 +995,8 @@
         </p:nvSpPr>
         <p:spPr>
           <a:xfrm>
-            <a:off x="504000" y="1769040"/>
-            <a:ext cx="9071280" cy="4384080"/>
+            <a:off x="504000" y="1768680"/>
+            <a:ext cx="9072000" cy="4384080"/>
           </a:xfrm>
           <a:prstGeom prst="rect">
             <a:avLst/>
@@ -1045,7 +1045,7 @@
         <p:spPr>
           <a:xfrm>
             <a:off x="504000" y="301320"/>
-            <a:ext cx="9071280" cy="1261800"/>
+            <a:ext cx="9072000" cy="1261800"/>
           </a:xfrm>
           <a:prstGeom prst="rect">
             <a:avLst/>
@@ -1071,8 +1071,8 @@
         </p:nvSpPr>
         <p:spPr>
           <a:xfrm>
-            <a:off x="504000" y="1769040"/>
-            <a:ext cx="4426560" cy="4384080"/>
+            <a:off x="504000" y="1768680"/>
+            <a:ext cx="4426920" cy="4384080"/>
           </a:xfrm>
           <a:prstGeom prst="rect">
             <a:avLst/>
@@ -1097,8 +1097,8 @@
         </p:nvSpPr>
         <p:spPr>
           <a:xfrm>
-            <a:off x="5152320" y="1769040"/>
-            <a:ext cx="4426560" cy="2090880"/>
+            <a:off x="5152680" y="1768680"/>
+            <a:ext cx="4426920" cy="2090880"/>
           </a:xfrm>
           <a:prstGeom prst="rect">
             <a:avLst/>
@@ -1123,8 +1123,8 @@
         </p:nvSpPr>
         <p:spPr>
           <a:xfrm>
-            <a:off x="5152320" y="4059000"/>
-            <a:ext cx="4426560" cy="2090880"/>
+            <a:off x="5152680" y="4058640"/>
+            <a:ext cx="4426920" cy="2090880"/>
           </a:xfrm>
           <a:prstGeom prst="rect">
             <a:avLst/>
@@ -1172,7 +1172,7 @@
         <p:spPr>
           <a:xfrm>
             <a:off x="504000" y="301320"/>
-            <a:ext cx="9071280" cy="1261800"/>
+            <a:ext cx="9072000" cy="1261800"/>
           </a:xfrm>
           <a:prstGeom prst="rect">
             <a:avLst/>
@@ -1198,8 +1198,8 @@
         </p:nvSpPr>
         <p:spPr>
           <a:xfrm>
-            <a:off x="504000" y="1769040"/>
-            <a:ext cx="4426560" cy="2090880"/>
+            <a:off x="504000" y="1768680"/>
+            <a:ext cx="4426920" cy="2090880"/>
           </a:xfrm>
           <a:prstGeom prst="rect">
             <a:avLst/>
@@ -1224,8 +1224,8 @@
         </p:nvSpPr>
         <p:spPr>
           <a:xfrm>
-            <a:off x="5152320" y="1769040"/>
-            <a:ext cx="4426560" cy="2090880"/>
+            <a:off x="5152680" y="1768680"/>
+            <a:ext cx="4426920" cy="2090880"/>
           </a:xfrm>
           <a:prstGeom prst="rect">
             <a:avLst/>
@@ -1250,8 +1250,8 @@
         </p:nvSpPr>
         <p:spPr>
           <a:xfrm>
-            <a:off x="504000" y="4059000"/>
-            <a:ext cx="9071280" cy="2090880"/>
+            <a:off x="504000" y="4058640"/>
+            <a:ext cx="9072000" cy="2090880"/>
           </a:xfrm>
           <a:prstGeom prst="rect">
             <a:avLst/>
@@ -1299,7 +1299,7 @@
         <p:spPr>
           <a:xfrm>
             <a:off x="504000" y="301320"/>
-            <a:ext cx="9071280" cy="1261800"/>
+            <a:ext cx="9072000" cy="1261800"/>
           </a:xfrm>
           <a:prstGeom prst="rect">
             <a:avLst/>
@@ -1325,8 +1325,8 @@
         </p:nvSpPr>
         <p:spPr>
           <a:xfrm>
-            <a:off x="504000" y="1769040"/>
-            <a:ext cx="9071280" cy="2090880"/>
+            <a:off x="504000" y="1768680"/>
+            <a:ext cx="9072000" cy="2090880"/>
           </a:xfrm>
           <a:prstGeom prst="rect">
             <a:avLst/>
@@ -1351,8 +1351,8 @@
         </p:nvSpPr>
         <p:spPr>
           <a:xfrm>
-            <a:off x="504000" y="4059000"/>
-            <a:ext cx="9071280" cy="2090880"/>
+            <a:off x="504000" y="4058640"/>
+            <a:ext cx="9072000" cy="2090880"/>
           </a:xfrm>
           <a:prstGeom prst="rect">
             <a:avLst/>
@@ -1400,7 +1400,7 @@
         <p:spPr>
           <a:xfrm>
             <a:off x="504000" y="301320"/>
-            <a:ext cx="9071280" cy="1261800"/>
+            <a:ext cx="9072000" cy="1261800"/>
           </a:xfrm>
           <a:prstGeom prst="rect">
             <a:avLst/>
@@ -1426,8 +1426,8 @@
         </p:nvSpPr>
         <p:spPr>
           <a:xfrm>
-            <a:off x="504000" y="1769040"/>
-            <a:ext cx="4426560" cy="2090880"/>
+            <a:off x="504000" y="1768680"/>
+            <a:ext cx="4426920" cy="2090880"/>
           </a:xfrm>
           <a:prstGeom prst="rect">
             <a:avLst/>
@@ -1452,8 +1452,8 @@
         </p:nvSpPr>
         <p:spPr>
           <a:xfrm>
-            <a:off x="5152320" y="1769040"/>
-            <a:ext cx="4426560" cy="2090880"/>
+            <a:off x="5152680" y="1768680"/>
+            <a:ext cx="4426920" cy="2090880"/>
           </a:xfrm>
           <a:prstGeom prst="rect">
             <a:avLst/>
@@ -1478,8 +1478,8 @@
         </p:nvSpPr>
         <p:spPr>
           <a:xfrm>
-            <a:off x="5152320" y="4059000"/>
-            <a:ext cx="4426560" cy="2090880"/>
+            <a:off x="5152680" y="4058640"/>
+            <a:ext cx="4426920" cy="2090880"/>
           </a:xfrm>
           <a:prstGeom prst="rect">
             <a:avLst/>
@@ -1504,8 +1504,8 @@
         </p:nvSpPr>
         <p:spPr>
           <a:xfrm>
-            <a:off x="504000" y="4059000"/>
-            <a:ext cx="4426560" cy="2090880"/>
+            <a:off x="504000" y="4058640"/>
+            <a:ext cx="4426920" cy="2090880"/>
           </a:xfrm>
           <a:prstGeom prst="rect">
             <a:avLst/>
@@ -1553,7 +1553,7 @@
         <p:spPr>
           <a:xfrm>
             <a:off x="504000" y="301320"/>
-            <a:ext cx="9071280" cy="1261800"/>
+            <a:ext cx="9072000" cy="1261800"/>
           </a:xfrm>
           <a:prstGeom prst="rect">
             <a:avLst/>
@@ -1579,8 +1579,8 @@
         </p:nvSpPr>
         <p:spPr>
           <a:xfrm>
-            <a:off x="504000" y="1769040"/>
-            <a:ext cx="9071280" cy="4384080"/>
+            <a:off x="504000" y="1768680"/>
+            <a:ext cx="9072000" cy="4384080"/>
           </a:xfrm>
           <a:prstGeom prst="rect">
             <a:avLst/>
@@ -1605,8 +1605,8 @@
         </p:nvSpPr>
         <p:spPr>
           <a:xfrm>
-            <a:off x="504000" y="1769040"/>
-            <a:ext cx="9071280" cy="4384080"/>
+            <a:off x="504000" y="1768680"/>
+            <a:ext cx="9072000" cy="4384080"/>
           </a:xfrm>
           <a:prstGeom prst="rect">
             <a:avLst/>
@@ -1631,7 +1631,7 @@
         </p:blipFill>
         <p:spPr>
           <a:xfrm>
-            <a:off x="2290680" y="1769040"/>
+            <a:off x="2291040" y="1768680"/>
             <a:ext cx="5497560" cy="4384080"/>
           </a:xfrm>
           <a:prstGeom prst="rect">
@@ -1654,7 +1654,7 @@
         </p:blipFill>
         <p:spPr>
           <a:xfrm>
-            <a:off x="2290680" y="1769040"/>
+            <a:off x="2291040" y="1768680"/>
             <a:ext cx="5497560" cy="4384080"/>
           </a:xfrm>
           <a:prstGeom prst="rect">
@@ -1700,7 +1700,7 @@
         <p:spPr>
           <a:xfrm>
             <a:off x="504000" y="301320"/>
-            <a:ext cx="9071280" cy="1261800"/>
+            <a:ext cx="9072000" cy="1261800"/>
           </a:xfrm>
           <a:prstGeom prst="rect">
             <a:avLst/>
@@ -1726,8 +1726,8 @@
         </p:nvSpPr>
         <p:spPr>
           <a:xfrm>
-            <a:off x="504000" y="1769040"/>
-            <a:ext cx="9071280" cy="4384080"/>
+            <a:off x="504000" y="1768680"/>
+            <a:ext cx="9072000" cy="4384080"/>
           </a:xfrm>
           <a:prstGeom prst="rect">
             <a:avLst/>
@@ -1775,7 +1775,7 @@
         <p:spPr>
           <a:xfrm>
             <a:off x="504000" y="301320"/>
-            <a:ext cx="9071280" cy="1261800"/>
+            <a:ext cx="9072000" cy="1261800"/>
           </a:xfrm>
           <a:prstGeom prst="rect">
             <a:avLst/>
@@ -1801,8 +1801,8 @@
         </p:nvSpPr>
         <p:spPr>
           <a:xfrm>
-            <a:off x="504000" y="1769040"/>
-            <a:ext cx="4426560" cy="4384080"/>
+            <a:off x="504000" y="1768680"/>
+            <a:ext cx="4426920" cy="4384080"/>
           </a:xfrm>
           <a:prstGeom prst="rect">
             <a:avLst/>
@@ -1827,8 +1827,8 @@
         </p:nvSpPr>
         <p:spPr>
           <a:xfrm>
-            <a:off x="5152320" y="1769040"/>
-            <a:ext cx="4426560" cy="4384080"/>
+            <a:off x="5152680" y="1768680"/>
+            <a:ext cx="4426920" cy="4384080"/>
           </a:xfrm>
           <a:prstGeom prst="rect">
             <a:avLst/>
@@ -1876,7 +1876,7 @@
         <p:spPr>
           <a:xfrm>
             <a:off x="504000" y="301320"/>
-            <a:ext cx="9071280" cy="1261800"/>
+            <a:ext cx="9072000" cy="1261800"/>
           </a:xfrm>
           <a:prstGeom prst="rect">
             <a:avLst/>
@@ -1925,7 +1925,7 @@
         <p:spPr>
           <a:xfrm>
             <a:off x="504000" y="301320"/>
-            <a:ext cx="9071280" cy="5850360"/>
+            <a:ext cx="9072000" cy="5850360"/>
           </a:xfrm>
           <a:prstGeom prst="rect">
             <a:avLst/>
@@ -1974,7 +1974,7 @@
         <p:spPr>
           <a:xfrm>
             <a:off x="504000" y="301320"/>
-            <a:ext cx="9071280" cy="1261800"/>
+            <a:ext cx="9072000" cy="1261800"/>
           </a:xfrm>
           <a:prstGeom prst="rect">
             <a:avLst/>
@@ -2000,8 +2000,8 @@
         </p:nvSpPr>
         <p:spPr>
           <a:xfrm>
-            <a:off x="504000" y="1769040"/>
-            <a:ext cx="4426560" cy="2090880"/>
+            <a:off x="504000" y="1768680"/>
+            <a:ext cx="4426920" cy="2090880"/>
           </a:xfrm>
           <a:prstGeom prst="rect">
             <a:avLst/>
@@ -2026,8 +2026,8 @@
         </p:nvSpPr>
         <p:spPr>
           <a:xfrm>
-            <a:off x="504000" y="4059000"/>
-            <a:ext cx="4426560" cy="2090880"/>
+            <a:off x="504000" y="4058640"/>
+            <a:ext cx="4426920" cy="2090880"/>
           </a:xfrm>
           <a:prstGeom prst="rect">
             <a:avLst/>
@@ -2052,8 +2052,8 @@
         </p:nvSpPr>
         <p:spPr>
           <a:xfrm>
-            <a:off x="5152320" y="1769040"/>
-            <a:ext cx="4426560" cy="4384080"/>
+            <a:off x="5152680" y="1768680"/>
+            <a:ext cx="4426920" cy="4384080"/>
           </a:xfrm>
           <a:prstGeom prst="rect">
             <a:avLst/>
@@ -2101,7 +2101,7 @@
         <p:spPr>
           <a:xfrm>
             <a:off x="504000" y="301320"/>
-            <a:ext cx="9071280" cy="1261800"/>
+            <a:ext cx="9072000" cy="1261800"/>
           </a:xfrm>
           <a:prstGeom prst="rect">
             <a:avLst/>
@@ -2127,8 +2127,8 @@
         </p:nvSpPr>
         <p:spPr>
           <a:xfrm>
-            <a:off x="504000" y="1769040"/>
-            <a:ext cx="4426560" cy="4384080"/>
+            <a:off x="504000" y="1768680"/>
+            <a:ext cx="4426920" cy="4384080"/>
           </a:xfrm>
           <a:prstGeom prst="rect">
             <a:avLst/>
@@ -2153,8 +2153,8 @@
         </p:nvSpPr>
         <p:spPr>
           <a:xfrm>
-            <a:off x="5152320" y="1769040"/>
-            <a:ext cx="4426560" cy="2090880"/>
+            <a:off x="5152680" y="1768680"/>
+            <a:ext cx="4426920" cy="2090880"/>
           </a:xfrm>
           <a:prstGeom prst="rect">
             <a:avLst/>
@@ -2179,8 +2179,8 @@
         </p:nvSpPr>
         <p:spPr>
           <a:xfrm>
-            <a:off x="5152320" y="4059000"/>
-            <a:ext cx="4426560" cy="2090880"/>
+            <a:off x="5152680" y="4058640"/>
+            <a:ext cx="4426920" cy="2090880"/>
           </a:xfrm>
           <a:prstGeom prst="rect">
             <a:avLst/>
@@ -2228,7 +2228,7 @@
         <p:spPr>
           <a:xfrm>
             <a:off x="504000" y="301320"/>
-            <a:ext cx="9071280" cy="1261800"/>
+            <a:ext cx="9072000" cy="1261800"/>
           </a:xfrm>
           <a:prstGeom prst="rect">
             <a:avLst/>
@@ -2254,8 +2254,8 @@
         </p:nvSpPr>
         <p:spPr>
           <a:xfrm>
-            <a:off x="504000" y="1769040"/>
-            <a:ext cx="4426560" cy="2090880"/>
+            <a:off x="504000" y="1768680"/>
+            <a:ext cx="4426920" cy="2090880"/>
           </a:xfrm>
           <a:prstGeom prst="rect">
             <a:avLst/>
@@ -2280,8 +2280,8 @@
         </p:nvSpPr>
         <p:spPr>
           <a:xfrm>
-            <a:off x="5152320" y="1769040"/>
-            <a:ext cx="4426560" cy="2090880"/>
+            <a:off x="5152680" y="1768680"/>
+            <a:ext cx="4426920" cy="2090880"/>
           </a:xfrm>
           <a:prstGeom prst="rect">
             <a:avLst/>
@@ -2306,8 +2306,8 @@
         </p:nvSpPr>
         <p:spPr>
           <a:xfrm>
-            <a:off x="504000" y="4059000"/>
-            <a:ext cx="9071280" cy="2090880"/>
+            <a:off x="504000" y="4058640"/>
+            <a:ext cx="9072000" cy="2090880"/>
           </a:xfrm>
           <a:prstGeom prst="rect">
             <a:avLst/>
@@ -2355,7 +2355,7 @@
         <p:spPr>
           <a:xfrm>
             <a:off x="504000" y="301320"/>
-            <a:ext cx="9071280" cy="1261800"/>
+            <a:ext cx="9070920" cy="1261440"/>
           </a:xfrm>
           <a:prstGeom prst="rect">
             <a:avLst/>
@@ -2386,8 +2386,8 @@
         </p:nvSpPr>
         <p:spPr>
           <a:xfrm>
-            <a:off x="504000" y="1768680"/>
-            <a:ext cx="9072000" cy="4384080"/>
+            <a:off x="504000" y="1769040"/>
+            <a:ext cx="9070920" cy="4383720"/>
           </a:xfrm>
           <a:prstGeom prst="rect">
             <a:avLst/>
@@ -2402,7 +2402,7 @@
               <a:buChar char=""/>
             </a:pPr>
             <a:r>
-              <a:rPr lang="en-US" sz="3200">
+              <a:rPr lang="en-US">
                 <a:latin typeface="Arial"/>
               </a:rPr>
               <a:t>Click to edit the outline text format</a:t>
@@ -2416,7 +2416,7 @@
               <a:buChar char=""/>
             </a:pPr>
             <a:r>
-              <a:rPr lang="en-US" sz="2800">
+              <a:rPr lang="en-US">
                 <a:latin typeface="Arial"/>
               </a:rPr>
               <a:t>Second Outline Level</a:t>
@@ -2430,7 +2430,7 @@
               <a:buChar char=""/>
             </a:pPr>
             <a:r>
-              <a:rPr lang="en-US" sz="2400">
+              <a:rPr lang="en-US">
                 <a:latin typeface="Arial"/>
               </a:rPr>
               <a:t>Third Outline Level</a:t>
@@ -2444,7 +2444,7 @@
               <a:buChar char=""/>
             </a:pPr>
             <a:r>
-              <a:rPr lang="en-US" sz="2000">
+              <a:rPr lang="en-US">
                 <a:latin typeface="Arial"/>
               </a:rPr>
               <a:t>Fourth Outline Level</a:t>
@@ -2458,7 +2458,7 @@
               <a:buChar char=""/>
             </a:pPr>
             <a:r>
-              <a:rPr lang="en-US" sz="2000">
+              <a:rPr lang="en-US">
                 <a:latin typeface="Arial"/>
               </a:rPr>
               <a:t>Fifth Outline Level</a:t>
@@ -2472,7 +2472,7 @@
               <a:buChar char=""/>
             </a:pPr>
             <a:r>
-              <a:rPr lang="en-US" sz="2000">
+              <a:rPr lang="en-US">
                 <a:latin typeface="Arial"/>
               </a:rPr>
               <a:t>Sixth Outline Level</a:t>
@@ -2486,7 +2486,7 @@
               <a:buChar char=""/>
             </a:pPr>
             <a:r>
-              <a:rPr lang="en-US" sz="2000">
+              <a:rPr lang="en-US">
                 <a:latin typeface="Arial"/>
               </a:rPr>
               <a:t>Seventh Outline Level</a:t>
@@ -2545,7 +2545,7 @@
         <p:spPr>
           <a:xfrm>
             <a:off x="504000" y="301320"/>
-            <a:ext cx="9071280" cy="1261800"/>
+            <a:ext cx="9072000" cy="1261800"/>
           </a:xfrm>
           <a:prstGeom prst="rect">
             <a:avLst/>
@@ -2554,8 +2554,9 @@
         <p:txBody>
           <a:bodyPr lIns="0" rIns="0" tIns="0" bIns="0" anchor="ctr"/>
           <a:p>
-            <a:r>
-              <a:rPr lang="en-US">
+            <a:pPr algn="ctr"/>
+            <a:r>
+              <a:rPr lang="en-US" sz="4400">
                 <a:latin typeface="Arial"/>
               </a:rPr>
               <a:t>Click to edit the title text format</a:t>
@@ -2576,8 +2577,8 @@
         </p:nvSpPr>
         <p:spPr>
           <a:xfrm>
-            <a:off x="504000" y="1769040"/>
-            <a:ext cx="9071280" cy="4384080"/>
+            <a:off x="504000" y="1768680"/>
+            <a:ext cx="9072000" cy="4384080"/>
           </a:xfrm>
           <a:prstGeom prst="rect">
             <a:avLst/>
@@ -2592,7 +2593,7 @@
               <a:buChar char=""/>
             </a:pPr>
             <a:r>
-              <a:rPr lang="en-US">
+              <a:rPr lang="en-US" sz="3200">
                 <a:latin typeface="Arial"/>
               </a:rPr>
               <a:t>Click to edit the outline text format</a:t>
@@ -2606,7 +2607,7 @@
               <a:buChar char=""/>
             </a:pPr>
             <a:r>
-              <a:rPr lang="en-US">
+              <a:rPr lang="en-US" sz="2800">
                 <a:latin typeface="Arial"/>
               </a:rPr>
               <a:t>Second Outline Level</a:t>
@@ -2620,7 +2621,7 @@
               <a:buChar char=""/>
             </a:pPr>
             <a:r>
-              <a:rPr lang="en-US">
+              <a:rPr lang="en-US" sz="2400">
                 <a:latin typeface="Arial"/>
               </a:rPr>
               <a:t>Third Outline Level</a:t>
@@ -2634,7 +2635,7 @@
               <a:buChar char=""/>
             </a:pPr>
             <a:r>
-              <a:rPr lang="en-US">
+              <a:rPr lang="en-US" sz="2000">
                 <a:latin typeface="Arial"/>
               </a:rPr>
               <a:t>Fourth Outline Level</a:t>
@@ -2648,7 +2649,7 @@
               <a:buChar char=""/>
             </a:pPr>
             <a:r>
-              <a:rPr lang="en-US">
+              <a:rPr lang="en-US" sz="2000">
                 <a:latin typeface="Arial"/>
               </a:rPr>
               <a:t>Fifth Outline Level</a:t>
@@ -2662,7 +2663,7 @@
               <a:buChar char=""/>
             </a:pPr>
             <a:r>
-              <a:rPr lang="en-US">
+              <a:rPr lang="en-US" sz="2000">
                 <a:latin typeface="Arial"/>
               </a:rPr>
               <a:t>Sixth Outline Level</a:t>
@@ -2676,7 +2677,7 @@
               <a:buChar char=""/>
             </a:pPr>
             <a:r>
-              <a:rPr lang="en-US">
+              <a:rPr lang="en-US" sz="2000">
                 <a:latin typeface="Arial"/>
               </a:rPr>
               <a:t>Seventh Outline Level</a:t>
@@ -2731,7 +2732,7 @@
         <p:spPr>
           <a:xfrm>
             <a:off x="0" y="0"/>
-            <a:ext cx="10079640" cy="822600"/>
+            <a:ext cx="10079280" cy="822240"/>
           </a:xfrm>
           <a:prstGeom prst="rect">
             <a:avLst/>
@@ -2761,7 +2762,7 @@
         <p:spPr>
           <a:xfrm>
             <a:off x="274320" y="274320"/>
-            <a:ext cx="2559960" cy="487800"/>
+            <a:ext cx="2559600" cy="487440"/>
           </a:xfrm>
           <a:prstGeom prst="rect">
             <a:avLst/>
@@ -2782,7 +2783,11 @@
           <a:p>
             <a:r>
               <a:rPr lang="en-US" sz="2800" strike="noStrike">
-                <a:latin typeface="Arial"/>
+                <a:solidFill>
+                  <a:srgbClr val="000000"/>
+                </a:solidFill>
+                <a:latin typeface="Arial"/>
+                <a:ea typeface="DejaVu Sans"/>
               </a:rPr>
               <a:t>nebulr</a:t>
             </a:r>
@@ -2799,7 +2804,7 @@
         <p:spPr>
           <a:xfrm>
             <a:off x="2651760" y="4572000"/>
-            <a:ext cx="4663080" cy="601920"/>
+            <a:ext cx="4662720" cy="601560"/>
           </a:xfrm>
           <a:prstGeom prst="rect">
             <a:avLst/>
@@ -2820,7 +2825,11 @@
           <a:p>
             <a:r>
               <a:rPr lang="en-US" strike="noStrike">
-                <a:latin typeface="Arial"/>
+                <a:solidFill>
+                  <a:srgbClr val="000000"/>
+                </a:solidFill>
+                <a:latin typeface="Arial"/>
+                <a:ea typeface="DejaVu Sans"/>
               </a:rPr>
               <a:t>Search (Backbone Search View, composite)</a:t>
             </a:r>
@@ -2837,7 +2846,7 @@
         <p:spPr>
           <a:xfrm>
             <a:off x="5636160" y="274320"/>
-            <a:ext cx="1188360" cy="365400"/>
+            <a:ext cx="1188000" cy="365040"/>
           </a:xfrm>
           <a:prstGeom prst="rect">
             <a:avLst/>
@@ -2863,7 +2872,7 @@
             <a:r>
               <a:rPr lang="en-US" strike="noStrike">
                 <a:solidFill>
-                  <a:srgbClr val="000000"/>
+                  <a:srgbClr val="999999"/>
                 </a:solidFill>
                 <a:latin typeface="Arial"/>
                 <a:ea typeface="DejaVu Sans"/>
@@ -2883,7 +2892,7 @@
         <p:spPr>
           <a:xfrm>
             <a:off x="6824880" y="274320"/>
-            <a:ext cx="1188360" cy="365400"/>
+            <a:ext cx="1188000" cy="365040"/>
           </a:xfrm>
           <a:prstGeom prst="rect">
             <a:avLst/>
@@ -2909,7 +2918,7 @@
             <a:r>
               <a:rPr lang="en-US" strike="noStrike">
                 <a:solidFill>
-                  <a:srgbClr val="000000"/>
+                  <a:srgbClr val="999999"/>
                 </a:solidFill>
                 <a:latin typeface="Arial"/>
                 <a:ea typeface="DejaVu Sans"/>
@@ -2929,7 +2938,7 @@
         <p:spPr>
           <a:xfrm>
             <a:off x="8046720" y="274320"/>
-            <a:ext cx="1919880" cy="365400"/>
+            <a:ext cx="1919520" cy="365040"/>
           </a:xfrm>
           <a:prstGeom prst="rect">
             <a:avLst/>
@@ -2980,7 +2989,7 @@
         <p:spPr>
           <a:xfrm>
             <a:off x="1920240" y="274320"/>
-            <a:ext cx="1737000" cy="365400"/>
+            <a:ext cx="1736640" cy="365040"/>
           </a:xfrm>
           <a:prstGeom prst="rect">
             <a:avLst/>
@@ -3049,7 +3058,7 @@
         <p:spPr>
           <a:xfrm>
             <a:off x="6583680" y="0"/>
-            <a:ext cx="3017160" cy="519840"/>
+            <a:ext cx="3016800" cy="519480"/>
           </a:xfrm>
           <a:prstGeom prst="rect">
             <a:avLst/>
@@ -3070,7 +3079,11 @@
           <a:p>
             <a:r>
               <a:rPr lang="en-US" sz="1500" strike="noStrike">
-                <a:latin typeface="Arial"/>
+                <a:solidFill>
+                  <a:srgbClr val="000000"/>
+                </a:solidFill>
+                <a:latin typeface="Arial"/>
+                <a:ea typeface="DejaVu Sans"/>
               </a:rPr>
               <a:t>Backbone UserForm View</a:t>
             </a:r>
@@ -3086,8 +3099,8 @@
         </p:nvSpPr>
         <p:spPr>
           <a:xfrm rot="16200000">
-            <a:off x="4663440" y="-2284920"/>
-            <a:ext cx="731160" cy="7131960"/>
+            <a:off x="4663440" y="-2284200"/>
+            <a:ext cx="730800" cy="7131600"/>
           </a:xfrm>
           <a:prstGeom prst="leftBrace">
             <a:avLst>
@@ -3118,7 +3131,7 @@
         <p:spPr>
           <a:xfrm>
             <a:off x="3474720" y="1590480"/>
-            <a:ext cx="3291480" cy="601920"/>
+            <a:ext cx="3291120" cy="601560"/>
           </a:xfrm>
           <a:prstGeom prst="rect">
             <a:avLst/>
@@ -3144,7 +3157,11 @@
             </a:pPr>
             <a:r>
               <a:rPr lang="en-US" strike="noStrike">
-                <a:latin typeface="Arial"/>
+                <a:solidFill>
+                  <a:srgbClr val="000000"/>
+                </a:solidFill>
+                <a:latin typeface="Arial"/>
+                <a:ea typeface="DejaVu Sans"/>
               </a:rPr>
               <a:t>Backbone Navbar View, composite</a:t>
             </a:r>
@@ -3210,7 +3227,7 @@
         <p:spPr>
           <a:xfrm>
             <a:off x="0" y="0"/>
-            <a:ext cx="10079640" cy="822600"/>
+            <a:ext cx="10079280" cy="822240"/>
           </a:xfrm>
           <a:prstGeom prst="rect">
             <a:avLst/>
@@ -3240,7 +3257,7 @@
         <p:spPr>
           <a:xfrm>
             <a:off x="274320" y="274320"/>
-            <a:ext cx="2559960" cy="487800"/>
+            <a:ext cx="2559600" cy="487440"/>
           </a:xfrm>
           <a:prstGeom prst="rect">
             <a:avLst/>
@@ -3261,7 +3278,11 @@
           <a:p>
             <a:r>
               <a:rPr lang="en-US" sz="2800" strike="noStrike">
-                <a:latin typeface="Arial"/>
+                <a:solidFill>
+                  <a:srgbClr val="000000"/>
+                </a:solidFill>
+                <a:latin typeface="Arial"/>
+                <a:ea typeface="DejaVu Sans"/>
               </a:rPr>
               <a:t>nebulr</a:t>
             </a:r>
@@ -3278,7 +3299,7 @@
         <p:spPr>
           <a:xfrm>
             <a:off x="4572000" y="822960"/>
-            <a:ext cx="5507640" cy="6736680"/>
+            <a:ext cx="5507280" cy="6736320"/>
           </a:xfrm>
           <a:prstGeom prst="rect">
             <a:avLst/>
@@ -3347,7 +3368,7 @@
         <p:spPr>
           <a:xfrm>
             <a:off x="0" y="822960"/>
-            <a:ext cx="4571640" cy="6736680"/>
+            <a:ext cx="4571280" cy="6736320"/>
           </a:xfrm>
           <a:prstGeom prst="rect">
             <a:avLst/>
@@ -3377,7 +3398,7 @@
         <p:spPr>
           <a:xfrm>
             <a:off x="0" y="822960"/>
-            <a:ext cx="4571640" cy="2285640"/>
+            <a:ext cx="4571280" cy="2285280"/>
           </a:xfrm>
           <a:prstGeom prst="rect">
             <a:avLst/>
@@ -3407,7 +3428,7 @@
         <p:spPr>
           <a:xfrm>
             <a:off x="822960" y="1103040"/>
-            <a:ext cx="1371240" cy="273960"/>
+            <a:ext cx="1370880" cy="273600"/>
           </a:xfrm>
           <a:prstGeom prst="rect">
             <a:avLst/>
@@ -3458,7 +3479,7 @@
         <p:spPr>
           <a:xfrm>
             <a:off x="2194560" y="1103040"/>
-            <a:ext cx="1371240" cy="273960"/>
+            <a:ext cx="1370880" cy="273600"/>
           </a:xfrm>
           <a:prstGeom prst="rect">
             <a:avLst/>
@@ -3509,7 +3530,7 @@
         <p:spPr>
           <a:xfrm>
             <a:off x="822960" y="1920240"/>
-            <a:ext cx="1371240" cy="273960"/>
+            <a:ext cx="1370880" cy="273600"/>
           </a:xfrm>
           <a:prstGeom prst="rect">
             <a:avLst/>
@@ -3560,7 +3581,7 @@
         <p:spPr>
           <a:xfrm>
             <a:off x="2194560" y="1920240"/>
-            <a:ext cx="1371240" cy="273960"/>
+            <a:ext cx="1370880" cy="273600"/>
           </a:xfrm>
           <a:prstGeom prst="rect">
             <a:avLst/>
@@ -3611,7 +3632,7 @@
         <p:spPr>
           <a:xfrm>
             <a:off x="822960" y="1554480"/>
-            <a:ext cx="2742840" cy="273960"/>
+            <a:ext cx="2742480" cy="273600"/>
           </a:xfrm>
           <a:prstGeom prst="rect">
             <a:avLst/>
@@ -3662,7 +3683,7 @@
         <p:spPr>
           <a:xfrm>
             <a:off x="1005840" y="2416320"/>
-            <a:ext cx="2285640" cy="601920"/>
+            <a:ext cx="2285280" cy="601560"/>
           </a:xfrm>
           <a:prstGeom prst="rect">
             <a:avLst/>
@@ -3688,7 +3709,11 @@
             </a:pPr>
             <a:r>
               <a:rPr lang="en-US" strike="noStrike">
-                <a:latin typeface="Arial"/>
+                <a:solidFill>
+                  <a:srgbClr val="000000"/>
+                </a:solidFill>
+                <a:latin typeface="Arial"/>
+                <a:ea typeface="DejaVu Sans"/>
               </a:rPr>
               <a:t>Backbone</a:t>
             </a:r>
@@ -3702,7 +3727,11 @@
             </a:pPr>
             <a:r>
               <a:rPr lang="en-US" strike="noStrike">
-                <a:latin typeface="Arial"/>
+                <a:solidFill>
+                  <a:srgbClr val="000000"/>
+                </a:solidFill>
+                <a:latin typeface="Arial"/>
+                <a:ea typeface="DejaVu Sans"/>
               </a:rPr>
               <a:t>SearchForm View</a:t>
             </a:r>
@@ -3719,7 +3748,7 @@
         <p:spPr>
           <a:xfrm>
             <a:off x="91440" y="3893040"/>
-            <a:ext cx="1279800" cy="1188360"/>
+            <a:ext cx="1279440" cy="1188000"/>
           </a:xfrm>
           <a:prstGeom prst="rect">
             <a:avLst/>
@@ -3842,7 +3871,7 @@
         <p:spPr>
           <a:xfrm>
             <a:off x="91440" y="5212080"/>
-            <a:ext cx="1279800" cy="1188360"/>
+            <a:ext cx="1279440" cy="1188000"/>
           </a:xfrm>
           <a:prstGeom prst="rect">
             <a:avLst/>
@@ -3872,7 +3901,7 @@
         <p:spPr>
           <a:xfrm>
             <a:off x="3017520" y="3893040"/>
-            <a:ext cx="1279800" cy="1188360"/>
+            <a:ext cx="1279440" cy="1188000"/>
           </a:xfrm>
           <a:prstGeom prst="rect">
             <a:avLst/>
@@ -3902,7 +3931,7 @@
         <p:spPr>
           <a:xfrm>
             <a:off x="1554480" y="3893040"/>
-            <a:ext cx="1279800" cy="1188360"/>
+            <a:ext cx="1279440" cy="1188000"/>
           </a:xfrm>
           <a:prstGeom prst="rect">
             <a:avLst/>
@@ -3932,7 +3961,7 @@
         <p:spPr>
           <a:xfrm>
             <a:off x="1554480" y="5212080"/>
-            <a:ext cx="1279800" cy="1188360"/>
+            <a:ext cx="1279440" cy="1188000"/>
           </a:xfrm>
           <a:prstGeom prst="rect">
             <a:avLst/>
@@ -3962,7 +3991,7 @@
         <p:spPr>
           <a:xfrm>
             <a:off x="3017520" y="5212080"/>
-            <a:ext cx="1279800" cy="1188360"/>
+            <a:ext cx="1279440" cy="1188000"/>
           </a:xfrm>
           <a:prstGeom prst="rect">
             <a:avLst/>
@@ -3992,7 +4021,7 @@
         <p:spPr>
           <a:xfrm>
             <a:off x="1005840" y="3111840"/>
-            <a:ext cx="2285640" cy="775800"/>
+            <a:ext cx="2285280" cy="775440"/>
           </a:xfrm>
           <a:prstGeom prst="rect">
             <a:avLst/>
@@ -4018,7 +4047,11 @@
             </a:pPr>
             <a:r>
               <a:rPr lang="en-US" sz="1600" strike="noStrike">
-                <a:latin typeface="Arial"/>
+                <a:solidFill>
+                  <a:srgbClr val="000000"/>
+                </a:solidFill>
+                <a:latin typeface="Arial"/>
+                <a:ea typeface="DejaVu Sans"/>
               </a:rPr>
               <a:t>Search Result</a:t>
             </a:r>
@@ -4032,7 +4065,11 @@
             </a:pPr>
             <a:r>
               <a:rPr lang="en-US" sz="1600" strike="noStrike">
-                <a:latin typeface="Arial"/>
+                <a:solidFill>
+                  <a:srgbClr val="000000"/>
+                </a:solidFill>
+                <a:latin typeface="Arial"/>
+                <a:ea typeface="DejaVu Sans"/>
               </a:rPr>
               <a:t>(Backbone MissionIndex View)</a:t>
             </a:r>
@@ -4049,7 +4086,7 @@
         <p:spPr>
           <a:xfrm>
             <a:off x="1920240" y="274320"/>
-            <a:ext cx="1737000" cy="365400"/>
+            <a:ext cx="1736640" cy="365040"/>
           </a:xfrm>
           <a:prstGeom prst="rect">
             <a:avLst/>
@@ -4118,7 +4155,7 @@
         <p:spPr>
           <a:xfrm>
             <a:off x="6949440" y="0"/>
-            <a:ext cx="3474360" cy="519840"/>
+            <a:ext cx="3474000" cy="519480"/>
           </a:xfrm>
           <a:prstGeom prst="rect">
             <a:avLst/>
@@ -4139,7 +4176,11 @@
           <a:p>
             <a:r>
               <a:rPr lang="en-US" sz="1500" strike="noStrike">
-                <a:latin typeface="Arial"/>
+                <a:solidFill>
+                  <a:srgbClr val="000000"/>
+                </a:solidFill>
+                <a:latin typeface="Arial"/>
+                <a:ea typeface="DejaVu Sans"/>
               </a:rPr>
               <a:t>Backbone UserNavbarLogout View</a:t>
             </a:r>
@@ -4156,7 +4197,7 @@
         <p:spPr>
           <a:xfrm>
             <a:off x="9052920" y="274320"/>
-            <a:ext cx="731160" cy="345960"/>
+            <a:ext cx="730800" cy="345600"/>
           </a:xfrm>
           <a:prstGeom prst="rect">
             <a:avLst/>
@@ -4206,8 +4247,8 @@
         </p:nvSpPr>
         <p:spPr>
           <a:xfrm>
-            <a:off x="7132680" y="293760"/>
-            <a:ext cx="1645560" cy="345960"/>
+            <a:off x="6858000" y="274320"/>
+            <a:ext cx="2102400" cy="345600"/>
           </a:xfrm>
           <a:prstGeom prst="rect">
             <a:avLst/>
@@ -4233,9 +4274,13 @@
             </a:pPr>
             <a:r>
               <a:rPr lang="en-US" strike="noStrike">
-                <a:latin typeface="Arial"/>
-              </a:rPr>
-              <a:t>username</a:t>
+                <a:solidFill>
+                  <a:srgbClr val="000000"/>
+                </a:solidFill>
+                <a:latin typeface="Arial"/>
+                <a:ea typeface="DejaVu Sans"/>
+              </a:rPr>
+              <a:t>username (link)</a:t>
             </a:r>
             <a:endParaRPr/>
           </a:p>
@@ -4299,7 +4344,7 @@
         <p:spPr>
           <a:xfrm>
             <a:off x="0" y="0"/>
-            <a:ext cx="10079640" cy="822600"/>
+            <a:ext cx="10079280" cy="822240"/>
           </a:xfrm>
           <a:prstGeom prst="rect">
             <a:avLst/>
@@ -4329,7 +4374,7 @@
         <p:spPr>
           <a:xfrm>
             <a:off x="1920240" y="274320"/>
-            <a:ext cx="1737000" cy="365400"/>
+            <a:ext cx="1736640" cy="365040"/>
           </a:xfrm>
           <a:prstGeom prst="rect">
             <a:avLst/>
@@ -4398,7 +4443,7 @@
         <p:spPr>
           <a:xfrm>
             <a:off x="274320" y="274320"/>
-            <a:ext cx="2559960" cy="487800"/>
+            <a:ext cx="2559600" cy="487440"/>
           </a:xfrm>
           <a:prstGeom prst="rect">
             <a:avLst/>
@@ -4419,7 +4464,11 @@
           <a:p>
             <a:r>
               <a:rPr lang="en-US" sz="2800" strike="noStrike">
-                <a:latin typeface="Arial"/>
+                <a:solidFill>
+                  <a:srgbClr val="000000"/>
+                </a:solidFill>
+                <a:latin typeface="Arial"/>
+                <a:ea typeface="DejaVu Sans"/>
               </a:rPr>
               <a:t>nebulr</a:t>
             </a:r>
@@ -4436,7 +4485,7 @@
         <p:spPr>
           <a:xfrm>
             <a:off x="548640" y="1463040"/>
-            <a:ext cx="2285640" cy="345960"/>
+            <a:ext cx="2285280" cy="345600"/>
           </a:xfrm>
           <a:prstGeom prst="rect">
             <a:avLst/>
@@ -4457,7 +4506,11 @@
           <a:p>
             <a:r>
               <a:rPr lang="en-US" strike="noStrike">
-                <a:latin typeface="Arial"/>
+                <a:solidFill>
+                  <a:srgbClr val="000000"/>
+                </a:solidFill>
+                <a:latin typeface="Arial"/>
+                <a:ea typeface="DejaVu Sans"/>
               </a:rPr>
               <a:t>Hello username</a:t>
             </a:r>
@@ -4474,7 +4527,7 @@
         <p:spPr>
           <a:xfrm>
             <a:off x="2743200" y="1069920"/>
-            <a:ext cx="2925720" cy="3931560"/>
+            <a:ext cx="2925360" cy="3931200"/>
           </a:xfrm>
           <a:prstGeom prst="rect">
             <a:avLst/>
@@ -4504,7 +4557,7 @@
         <p:spPr>
           <a:xfrm>
             <a:off x="640080" y="2011680"/>
-            <a:ext cx="1554120" cy="548280"/>
+            <a:ext cx="1553760" cy="547920"/>
           </a:xfrm>
           <a:prstGeom prst="rect">
             <a:avLst/>
@@ -4573,7 +4626,7 @@
         <p:spPr>
           <a:xfrm>
             <a:off x="4297680" y="2435760"/>
-            <a:ext cx="1279800" cy="1188360"/>
+            <a:ext cx="1279440" cy="1188000"/>
           </a:xfrm>
           <a:prstGeom prst="rect">
             <a:avLst/>
@@ -4603,7 +4656,7 @@
         <p:spPr>
           <a:xfrm>
             <a:off x="2834640" y="3754800"/>
-            <a:ext cx="1279800" cy="1188360"/>
+            <a:ext cx="1279440" cy="1188000"/>
           </a:xfrm>
           <a:prstGeom prst="rect">
             <a:avLst/>
@@ -4633,7 +4686,7 @@
         <p:spPr>
           <a:xfrm>
             <a:off x="4297680" y="3754800"/>
-            <a:ext cx="1279800" cy="1188360"/>
+            <a:ext cx="1279440" cy="1188000"/>
           </a:xfrm>
           <a:prstGeom prst="rect">
             <a:avLst/>
@@ -4663,7 +4716,7 @@
         <p:spPr>
           <a:xfrm>
             <a:off x="3108960" y="1371600"/>
-            <a:ext cx="2285640" cy="1004400"/>
+            <a:ext cx="2285280" cy="1004040"/>
           </a:xfrm>
           <a:prstGeom prst="rect">
             <a:avLst/>
@@ -4689,7 +4742,11 @@
             </a:pPr>
             <a:r>
               <a:rPr lang="en-US" sz="1600" strike="noStrike">
-                <a:latin typeface="Arial"/>
+                <a:solidFill>
+                  <a:srgbClr val="000000"/>
+                </a:solidFill>
+                <a:latin typeface="Arial"/>
+                <a:ea typeface="DejaVu Sans"/>
               </a:rPr>
               <a:t>Followed Missions</a:t>
             </a:r>
@@ -4703,7 +4760,11 @@
             </a:pPr>
             <a:r>
               <a:rPr lang="en-US" sz="1600" strike="noStrike">
-                <a:latin typeface="Arial"/>
+                <a:solidFill>
+                  <a:srgbClr val="000000"/>
+                </a:solidFill>
+                <a:latin typeface="Arial"/>
+                <a:ea typeface="DejaVu Sans"/>
               </a:rPr>
               <a:t>(Backbone MissionIndex View, composite)</a:t>
             </a:r>
@@ -4720,7 +4781,7 @@
         <p:spPr>
           <a:xfrm>
             <a:off x="6035040" y="1069920"/>
-            <a:ext cx="2925720" cy="3931560"/>
+            <a:ext cx="2925360" cy="3931200"/>
           </a:xfrm>
           <a:prstGeom prst="rect">
             <a:avLst/>
@@ -4750,7 +4811,7 @@
         <p:spPr>
           <a:xfrm>
             <a:off x="7589520" y="2435760"/>
-            <a:ext cx="1279800" cy="1188360"/>
+            <a:ext cx="1279440" cy="1188000"/>
           </a:xfrm>
           <a:prstGeom prst="rect">
             <a:avLst/>
@@ -4780,7 +4841,7 @@
         <p:spPr>
           <a:xfrm>
             <a:off x="6126480" y="3754800"/>
-            <a:ext cx="1279800" cy="1188360"/>
+            <a:ext cx="1279440" cy="1188000"/>
           </a:xfrm>
           <a:prstGeom prst="rect">
             <a:avLst/>
@@ -4810,7 +4871,7 @@
         <p:spPr>
           <a:xfrm>
             <a:off x="7589520" y="3754800"/>
-            <a:ext cx="1279800" cy="1188360"/>
+            <a:ext cx="1279440" cy="1188000"/>
           </a:xfrm>
           <a:prstGeom prst="rect">
             <a:avLst/>
@@ -4840,7 +4901,7 @@
         <p:spPr>
           <a:xfrm>
             <a:off x="6400800" y="1371600"/>
-            <a:ext cx="2285640" cy="1004400"/>
+            <a:ext cx="2285280" cy="1004040"/>
           </a:xfrm>
           <a:prstGeom prst="rect">
             <a:avLst/>
@@ -4866,7 +4927,11 @@
             </a:pPr>
             <a:r>
               <a:rPr lang="en-US" sz="1600" strike="noStrike">
-                <a:latin typeface="Arial"/>
+                <a:solidFill>
+                  <a:srgbClr val="000000"/>
+                </a:solidFill>
+                <a:latin typeface="Arial"/>
+                <a:ea typeface="DejaVu Sans"/>
               </a:rPr>
               <a:t>Enlisted Missions</a:t>
             </a:r>
@@ -4880,7 +4945,11 @@
             </a:pPr>
             <a:r>
               <a:rPr lang="en-US" sz="1600" strike="noStrike">
-                <a:latin typeface="Arial"/>
+                <a:solidFill>
+                  <a:srgbClr val="000000"/>
+                </a:solidFill>
+                <a:latin typeface="Arial"/>
+                <a:ea typeface="DejaVu Sans"/>
               </a:rPr>
               <a:t>(Backbone MissionIndex View, composite)</a:t>
             </a:r>
@@ -4897,7 +4966,7 @@
         <p:spPr>
           <a:xfrm>
             <a:off x="2834640" y="2438640"/>
-            <a:ext cx="1279800" cy="1188360"/>
+            <a:ext cx="1279440" cy="1188000"/>
           </a:xfrm>
           <a:prstGeom prst="rect">
             <a:avLst/>
@@ -4984,7 +5053,7 @@
         <p:spPr>
           <a:xfrm>
             <a:off x="6126480" y="2455200"/>
-            <a:ext cx="1279800" cy="1188360"/>
+            <a:ext cx="1279440" cy="1188000"/>
           </a:xfrm>
           <a:prstGeom prst="rect">
             <a:avLst/>
@@ -5071,7 +5140,7 @@
         <p:spPr>
           <a:xfrm>
             <a:off x="2743200" y="5273280"/>
-            <a:ext cx="6217560" cy="1950120"/>
+            <a:ext cx="6217200" cy="1949760"/>
           </a:xfrm>
           <a:prstGeom prst="rect">
             <a:avLst/>
@@ -5101,7 +5170,7 @@
         <p:spPr>
           <a:xfrm>
             <a:off x="3108960" y="5639040"/>
-            <a:ext cx="5394600" cy="456840"/>
+            <a:ext cx="5394240" cy="456480"/>
           </a:xfrm>
           <a:prstGeom prst="rect">
             <a:avLst/>
@@ -5152,7 +5221,7 @@
         <p:spPr>
           <a:xfrm>
             <a:off x="2926080" y="5273280"/>
-            <a:ext cx="5851800" cy="601920"/>
+            <a:ext cx="5851440" cy="601560"/>
           </a:xfrm>
           <a:prstGeom prst="rect">
             <a:avLst/>
@@ -5173,7 +5242,11 @@
           <a:p>
             <a:r>
               <a:rPr lang="en-US" strike="noStrike">
-                <a:latin typeface="Arial"/>
+                <a:solidFill>
+                  <a:srgbClr val="000000"/>
+                </a:solidFill>
+                <a:latin typeface="Arial"/>
+                <a:ea typeface="DejaVu Sans"/>
               </a:rPr>
               <a:t>Comments (Backbone CommentIndex View, composite)</a:t>
             </a:r>
@@ -5190,7 +5263,7 @@
         <p:spPr>
           <a:xfrm>
             <a:off x="3108960" y="6636240"/>
-            <a:ext cx="5394600" cy="456840"/>
+            <a:ext cx="5394240" cy="456480"/>
           </a:xfrm>
           <a:prstGeom prst="rect">
             <a:avLst/>
@@ -5236,7 +5309,7 @@
         <p:spPr>
           <a:xfrm>
             <a:off x="6583680" y="6766560"/>
-            <a:ext cx="1737000" cy="273960"/>
+            <a:ext cx="1736640" cy="273600"/>
           </a:xfrm>
           <a:prstGeom prst="rect">
             <a:avLst/>
@@ -5287,7 +5360,7 @@
         <p:spPr>
           <a:xfrm>
             <a:off x="3108960" y="6096240"/>
-            <a:ext cx="5394600" cy="456840"/>
+            <a:ext cx="5394240" cy="456480"/>
           </a:xfrm>
           <a:prstGeom prst="rect">
             <a:avLst/>
@@ -5338,7 +5411,7 @@
         <p:spPr>
           <a:xfrm>
             <a:off x="2377440" y="5303520"/>
-            <a:ext cx="273960" cy="1828440"/>
+            <a:ext cx="273600" cy="1828080"/>
           </a:xfrm>
           <a:prstGeom prst="leftBrace">
             <a:avLst>
@@ -5369,7 +5442,7 @@
         <p:spPr>
           <a:xfrm>
             <a:off x="548640" y="5798880"/>
-            <a:ext cx="2011320" cy="1881720"/>
+            <a:ext cx="2010960" cy="1881360"/>
           </a:xfrm>
           <a:prstGeom prst="rect">
             <a:avLst/>
@@ -5390,7 +5463,11 @@
           <a:p>
             <a:r>
               <a:rPr lang="en-US" strike="noStrike">
-                <a:latin typeface="Arial"/>
+                <a:solidFill>
+                  <a:srgbClr val="000000"/>
+                </a:solidFill>
+                <a:latin typeface="Arial"/>
+                <a:ea typeface="DejaVu Sans"/>
               </a:rPr>
               <a:t>Backbone CommentShow View (composite)</a:t>
             </a:r>
@@ -5406,8 +5483,8 @@
         </p:nvSpPr>
         <p:spPr>
           <a:xfrm>
-            <a:off x="9052920" y="274320"/>
-            <a:ext cx="731160" cy="345960"/>
+            <a:off x="9036360" y="274320"/>
+            <a:ext cx="730800" cy="345600"/>
           </a:xfrm>
           <a:prstGeom prst="rect">
             <a:avLst/>
@@ -5457,8 +5534,8 @@
         </p:nvSpPr>
         <p:spPr>
           <a:xfrm>
-            <a:off x="7132680" y="293760"/>
-            <a:ext cx="1645560" cy="345960"/>
+            <a:off x="6841440" y="274320"/>
+            <a:ext cx="2102400" cy="345600"/>
           </a:xfrm>
           <a:prstGeom prst="rect">
             <a:avLst/>
@@ -5484,9 +5561,13 @@
             </a:pPr>
             <a:r>
               <a:rPr lang="en-US" strike="noStrike">
-                <a:latin typeface="Arial"/>
-              </a:rPr>
-              <a:t>username</a:t>
+                <a:solidFill>
+                  <a:srgbClr val="000000"/>
+                </a:solidFill>
+                <a:latin typeface="Arial"/>
+                <a:ea typeface="DejaVu Sans"/>
+              </a:rPr>
+              <a:t>username (link)</a:t>
             </a:r>
             <a:endParaRPr/>
           </a:p>
@@ -5550,7 +5631,7 @@
         <p:spPr>
           <a:xfrm>
             <a:off x="2560320" y="2011680"/>
-            <a:ext cx="4845960" cy="4845960"/>
+            <a:ext cx="4845600" cy="4845600"/>
           </a:xfrm>
           <a:prstGeom prst="rect">
             <a:avLst/>
@@ -5580,7 +5661,7 @@
         <p:spPr>
           <a:xfrm>
             <a:off x="2834640" y="2743200"/>
-            <a:ext cx="4297320" cy="273960"/>
+            <a:ext cx="4296960" cy="273600"/>
           </a:xfrm>
           <a:prstGeom prst="rect">
             <a:avLst/>
@@ -5611,7 +5692,7 @@
             <a:r>
               <a:rPr lang="en-US" strike="noStrike">
                 <a:solidFill>
-                  <a:srgbClr val="000000"/>
+                  <a:srgbClr val="999999"/>
                 </a:solidFill>
                 <a:latin typeface="Arial"/>
                 <a:ea typeface="DejaVu Sans"/>
@@ -5631,7 +5712,7 @@
         <p:spPr>
           <a:xfrm>
             <a:off x="2834640" y="3111840"/>
-            <a:ext cx="4297320" cy="914040"/>
+            <a:ext cx="4296960" cy="913680"/>
           </a:xfrm>
           <a:prstGeom prst="rect">
             <a:avLst/>
@@ -5662,7 +5743,7 @@
             <a:r>
               <a:rPr lang="en-US" strike="noStrike">
                 <a:solidFill>
-                  <a:srgbClr val="000000"/>
+                  <a:srgbClr val="999999"/>
                 </a:solidFill>
                 <a:latin typeface="Arial"/>
                 <a:ea typeface="DejaVu Sans"/>
@@ -5682,7 +5763,7 @@
         <p:spPr>
           <a:xfrm>
             <a:off x="2834640" y="5760720"/>
-            <a:ext cx="1279800" cy="365400"/>
+            <a:ext cx="1279440" cy="365040"/>
           </a:xfrm>
           <a:prstGeom prst="rect">
             <a:avLst/>
@@ -5733,7 +5814,7 @@
         <p:spPr>
           <a:xfrm>
             <a:off x="4663440" y="6217920"/>
-            <a:ext cx="2468520" cy="365400"/>
+            <a:ext cx="2468160" cy="365040"/>
           </a:xfrm>
           <a:prstGeom prst="rect">
             <a:avLst/>
@@ -5784,7 +5865,7 @@
         <p:spPr>
           <a:xfrm>
             <a:off x="4206240" y="5760720"/>
-            <a:ext cx="2194200" cy="289800"/>
+            <a:ext cx="2193840" cy="289440"/>
           </a:xfrm>
           <a:prstGeom prst="rect">
             <a:avLst/>
@@ -5805,7 +5886,11 @@
           <a:p>
             <a:r>
               <a:rPr i="1" lang="en-US" sz="1400" strike="noStrike">
-                <a:latin typeface="Arial"/>
+                <a:solidFill>
+                  <a:srgbClr val="000000"/>
+                </a:solidFill>
+                <a:latin typeface="Arial"/>
+                <a:ea typeface="DejaVu Sans"/>
               </a:rPr>
               <a:t>picture1.jpg, picture2.jpg</a:t>
             </a:r>
@@ -5822,7 +5907,7 @@
         <p:spPr>
           <a:xfrm>
             <a:off x="0" y="0"/>
-            <a:ext cx="10079640" cy="822600"/>
+            <a:ext cx="10079280" cy="822240"/>
           </a:xfrm>
           <a:prstGeom prst="rect">
             <a:avLst/>
@@ -5852,7 +5937,7 @@
         <p:spPr>
           <a:xfrm>
             <a:off x="1920240" y="274320"/>
-            <a:ext cx="1737000" cy="365400"/>
+            <a:ext cx="1736640" cy="365040"/>
           </a:xfrm>
           <a:prstGeom prst="rect">
             <a:avLst/>
@@ -5921,7 +6006,7 @@
         <p:spPr>
           <a:xfrm>
             <a:off x="274320" y="274320"/>
-            <a:ext cx="2559960" cy="487800"/>
+            <a:ext cx="2559600" cy="487440"/>
           </a:xfrm>
           <a:prstGeom prst="rect">
             <a:avLst/>
@@ -5942,7 +6027,11 @@
           <a:p>
             <a:r>
               <a:rPr lang="en-US" sz="2800" strike="noStrike">
-                <a:latin typeface="Arial"/>
+                <a:solidFill>
+                  <a:srgbClr val="000000"/>
+                </a:solidFill>
+                <a:latin typeface="Arial"/>
+                <a:ea typeface="DejaVu Sans"/>
               </a:rPr>
               <a:t>nebulr</a:t>
             </a:r>
@@ -5959,7 +6048,7 @@
         <p:spPr>
           <a:xfrm>
             <a:off x="2560320" y="2011680"/>
-            <a:ext cx="4845960" cy="365400"/>
+            <a:ext cx="4845600" cy="365040"/>
           </a:xfrm>
           <a:prstGeom prst="rect">
             <a:avLst/>
@@ -6005,7 +6094,7 @@
         <p:spPr>
           <a:xfrm>
             <a:off x="2834640" y="4114800"/>
-            <a:ext cx="2102760" cy="273960"/>
+            <a:ext cx="2102400" cy="273600"/>
           </a:xfrm>
           <a:prstGeom prst="rect">
             <a:avLst/>
@@ -6056,7 +6145,7 @@
         <p:spPr>
           <a:xfrm>
             <a:off x="2834640" y="4114800"/>
-            <a:ext cx="2102760" cy="273960"/>
+            <a:ext cx="2102400" cy="273600"/>
           </a:xfrm>
           <a:prstGeom prst="rect">
             <a:avLst/>
@@ -6087,7 +6176,7 @@
             <a:r>
               <a:rPr lang="en-US" strike="noStrike">
                 <a:solidFill>
-                  <a:srgbClr val="000000"/>
+                  <a:srgbClr val="999999"/>
                 </a:solidFill>
                 <a:latin typeface="Arial"/>
                 <a:ea typeface="DejaVu Sans"/>
@@ -6107,7 +6196,7 @@
         <p:spPr>
           <a:xfrm>
             <a:off x="5029200" y="4114800"/>
-            <a:ext cx="2102760" cy="273960"/>
+            <a:ext cx="2102400" cy="273600"/>
           </a:xfrm>
           <a:prstGeom prst="rect">
             <a:avLst/>
@@ -6138,7 +6227,7 @@
             <a:r>
               <a:rPr lang="en-US" strike="noStrike">
                 <a:solidFill>
-                  <a:srgbClr val="000000"/>
+                  <a:srgbClr val="999999"/>
                 </a:solidFill>
                 <a:latin typeface="Arial"/>
                 <a:ea typeface="DejaVu Sans"/>
@@ -6158,7 +6247,7 @@
         <p:spPr>
           <a:xfrm>
             <a:off x="2834640" y="4572000"/>
-            <a:ext cx="2102760" cy="273960"/>
+            <a:ext cx="2102400" cy="273600"/>
           </a:xfrm>
           <a:prstGeom prst="rect">
             <a:avLst/>
@@ -6189,7 +6278,7 @@
             <a:r>
               <a:rPr lang="en-US" strike="noStrike">
                 <a:solidFill>
-                  <a:srgbClr val="000000"/>
+                  <a:srgbClr val="999999"/>
                 </a:solidFill>
                 <a:latin typeface="Arial"/>
                 <a:ea typeface="DejaVu Sans"/>
@@ -6209,7 +6298,7 @@
         <p:spPr>
           <a:xfrm>
             <a:off x="5029200" y="4572000"/>
-            <a:ext cx="2102760" cy="273960"/>
+            <a:ext cx="2102400" cy="273600"/>
           </a:xfrm>
           <a:prstGeom prst="rect">
             <a:avLst/>
@@ -6240,7 +6329,7 @@
             <a:r>
               <a:rPr lang="en-US" strike="noStrike">
                 <a:solidFill>
-                  <a:srgbClr val="000000"/>
+                  <a:srgbClr val="999999"/>
                 </a:solidFill>
                 <a:latin typeface="Arial"/>
                 <a:ea typeface="DejaVu Sans"/>
@@ -6260,7 +6349,7 @@
         <p:spPr>
           <a:xfrm>
             <a:off x="9052920" y="274320"/>
-            <a:ext cx="731160" cy="345960"/>
+            <a:ext cx="730800" cy="345600"/>
           </a:xfrm>
           <a:prstGeom prst="rect">
             <a:avLst/>
@@ -6310,8 +6399,59 @@
         </p:nvSpPr>
         <p:spPr>
           <a:xfrm>
-            <a:off x="7132680" y="293760"/>
-            <a:ext cx="1645560" cy="345960"/>
+            <a:off x="2926080" y="5029200"/>
+            <a:ext cx="1919520" cy="456480"/>
+          </a:xfrm>
+          <a:prstGeom prst="rect">
+            <a:avLst/>
+          </a:prstGeom>
+          <a:solidFill>
+            <a:srgbClr val="ffffff"/>
+          </a:solidFill>
+          <a:ln>
+            <a:solidFill>
+              <a:srgbClr val="3465a4"/>
+            </a:solidFill>
+          </a:ln>
+        </p:spPr>
+        <p:style>
+          <a:lnRef idx="0"/>
+          <a:fillRef idx="0"/>
+          <a:effectRef idx="0"/>
+          <a:fontRef idx="minor"/>
+        </p:style>
+        <p:txBody>
+          <a:bodyPr wrap="none" lIns="90000" rIns="90000" tIns="45000" bIns="45000" anchor="ctr"/>
+          <a:p>
+            <a:pPr algn="ctr">
+              <a:lnSpc>
+                <a:spcPct val="100000"/>
+              </a:lnSpc>
+            </a:pPr>
+            <a:r>
+              <a:rPr lang="en-US" strike="noStrike">
+                <a:solidFill>
+                  <a:srgbClr val="999999"/>
+                </a:solidFill>
+                <a:latin typeface="Arial"/>
+                <a:ea typeface="DejaVu Sans"/>
+              </a:rPr>
+              <a:t>User limit</a:t>
+            </a:r>
+            <a:endParaRPr/>
+          </a:p>
+        </p:txBody>
+      </p:sp>
+      <p:sp>
+        <p:nvSpPr>
+          <p:cNvPr id="148" name="CustomShape 18"/>
+          <p:cNvSpPr/>
+          <p:nvPr/>
+        </p:nvSpPr>
+        <p:spPr>
+          <a:xfrm>
+            <a:off x="6845400" y="263160"/>
+            <a:ext cx="2102400" cy="345600"/>
           </a:xfrm>
           <a:prstGeom prst="rect">
             <a:avLst/>
@@ -6337,60 +6477,13 @@
             </a:pPr>
             <a:r>
               <a:rPr lang="en-US" strike="noStrike">
-                <a:latin typeface="Arial"/>
-              </a:rPr>
-              <a:t>username</a:t>
-            </a:r>
-            <a:endParaRPr/>
-          </a:p>
-        </p:txBody>
-      </p:sp>
-      <p:sp>
-        <p:nvSpPr>
-          <p:cNvPr id="148" name="CustomShape 18"/>
-          <p:cNvSpPr/>
-          <p:nvPr/>
-        </p:nvSpPr>
-        <p:spPr>
-          <a:xfrm>
-            <a:off x="2926080" y="5029200"/>
-            <a:ext cx="1919880" cy="456840"/>
-          </a:xfrm>
-          <a:prstGeom prst="rect">
-            <a:avLst/>
-          </a:prstGeom>
-          <a:solidFill>
-            <a:srgbClr val="ffffff"/>
-          </a:solidFill>
-          <a:ln>
-            <a:solidFill>
-              <a:srgbClr val="3465a4"/>
-            </a:solidFill>
-          </a:ln>
-        </p:spPr>
-        <p:style>
-          <a:lnRef idx="0"/>
-          <a:fillRef idx="0"/>
-          <a:effectRef idx="0"/>
-          <a:fontRef idx="minor"/>
-        </p:style>
-        <p:txBody>
-          <a:bodyPr wrap="none" lIns="90000" rIns="90000" tIns="45000" bIns="45000" anchor="ctr"/>
-          <a:p>
-            <a:pPr algn="ctr">
-              <a:lnSpc>
-                <a:spcPct val="100000"/>
-              </a:lnSpc>
-            </a:pPr>
-            <a:r>
-              <a:rPr lang="en-US" strike="noStrike">
-                <a:solidFill>
-                  <a:srgbClr val="000000"/>
-                </a:solidFill>
-                <a:latin typeface="Arial"/>
-                <a:ea typeface="DejaVu Sans"/>
-              </a:rPr>
-              <a:t>User limit</a:t>
+                <a:solidFill>
+                  <a:srgbClr val="000000"/>
+                </a:solidFill>
+                <a:latin typeface="Arial"/>
+                <a:ea typeface="DejaVu Sans"/>
+              </a:rPr>
+              <a:t>username (link)</a:t>
             </a:r>
             <a:endParaRPr/>
           </a:p>
@@ -6454,7 +6547,7 @@
         <p:spPr>
           <a:xfrm>
             <a:off x="0" y="0"/>
-            <a:ext cx="10079640" cy="822600"/>
+            <a:ext cx="10079280" cy="822240"/>
           </a:xfrm>
           <a:prstGeom prst="rect">
             <a:avLst/>
@@ -6484,7 +6577,7 @@
         <p:spPr>
           <a:xfrm>
             <a:off x="1920240" y="274320"/>
-            <a:ext cx="1737000" cy="365400"/>
+            <a:ext cx="1736640" cy="365040"/>
           </a:xfrm>
           <a:prstGeom prst="rect">
             <a:avLst/>
@@ -6553,7 +6646,7 @@
         <p:spPr>
           <a:xfrm>
             <a:off x="274320" y="274320"/>
-            <a:ext cx="2559960" cy="487800"/>
+            <a:ext cx="2559600" cy="487440"/>
           </a:xfrm>
           <a:prstGeom prst="rect">
             <a:avLst/>
@@ -6574,7 +6667,11 @@
           <a:p>
             <a:r>
               <a:rPr lang="en-US" sz="2800" strike="noStrike">
-                <a:latin typeface="Arial"/>
+                <a:solidFill>
+                  <a:srgbClr val="000000"/>
+                </a:solidFill>
+                <a:latin typeface="Arial"/>
+                <a:ea typeface="DejaVu Sans"/>
               </a:rPr>
               <a:t>nebulr</a:t>
             </a:r>
@@ -6591,7 +6688,7 @@
         <p:spPr>
           <a:xfrm>
             <a:off x="9052560" y="274320"/>
-            <a:ext cx="731160" cy="345960"/>
+            <a:ext cx="730800" cy="345600"/>
           </a:xfrm>
           <a:prstGeom prst="rect">
             <a:avLst/>
@@ -6641,8 +6738,8 @@
         </p:nvSpPr>
         <p:spPr>
           <a:xfrm>
-            <a:off x="7132320" y="293760"/>
-            <a:ext cx="1645560" cy="345960"/>
+            <a:off x="6855120" y="257760"/>
+            <a:ext cx="2102400" cy="345600"/>
           </a:xfrm>
           <a:prstGeom prst="rect">
             <a:avLst/>
@@ -6668,9 +6765,13 @@
             </a:pPr>
             <a:r>
               <a:rPr lang="en-US" strike="noStrike">
-                <a:latin typeface="Arial"/>
-              </a:rPr>
-              <a:t>username</a:t>
+                <a:solidFill>
+                  <a:srgbClr val="000000"/>
+                </a:solidFill>
+                <a:latin typeface="Arial"/>
+                <a:ea typeface="DejaVu Sans"/>
+              </a:rPr>
+              <a:t>username (link)</a:t>
             </a:r>
             <a:endParaRPr/>
           </a:p>
@@ -6684,8 +6785,8 @@
         </p:nvSpPr>
         <p:spPr>
           <a:xfrm>
-            <a:off x="548640" y="1463040"/>
-            <a:ext cx="2468520" cy="345960"/>
+            <a:off x="-91440" y="1280160"/>
+            <a:ext cx="2468160" cy="345600"/>
           </a:xfrm>
           <a:prstGeom prst="rect">
             <a:avLst/>
@@ -6704,11 +6805,30 @@
         <p:txBody>
           <a:bodyPr lIns="90000" rIns="90000" tIns="45000" bIns="45000"/>
           <a:p>
+            <a:pPr algn="ctr"/>
             <a:r>
               <a:rPr lang="en-US" strike="noStrike">
-                <a:latin typeface="Arial"/>
-              </a:rPr>
-              <a:t>Mission 45</a:t>
+                <a:solidFill>
+                  <a:srgbClr val="000000"/>
+                </a:solidFill>
+                <a:latin typeface="Arial"/>
+                <a:ea typeface="DejaVu Sans"/>
+              </a:rPr>
+              <a:t>mission_title</a:t>
+            </a:r>
+            <a:endParaRPr/>
+          </a:p>
+          <a:p>
+            <a:pPr algn="ctr"/>
+            <a:r>
+              <a:rPr lang="en-US" sz="1400" strike="noStrike">
+                <a:solidFill>
+                  <a:srgbClr val="000000"/>
+                </a:solidFill>
+                <a:latin typeface="Arial"/>
+                <a:ea typeface="DejaVu Sans"/>
+              </a:rPr>
+              <a:t>leader username (link)</a:t>
             </a:r>
             <a:endParaRPr/>
           </a:p>
@@ -6722,8 +6842,8 @@
         </p:nvSpPr>
         <p:spPr>
           <a:xfrm>
-            <a:off x="2194560" y="1463040"/>
-            <a:ext cx="4023000" cy="3017160"/>
+            <a:off x="2194560" y="1031040"/>
+            <a:ext cx="4022640" cy="3016800"/>
           </a:xfrm>
           <a:prstGeom prst="rect">
             <a:avLst/>
@@ -6791,8 +6911,8 @@
         </p:nvSpPr>
         <p:spPr>
           <a:xfrm>
-            <a:off x="6217920" y="1463040"/>
-            <a:ext cx="2925720" cy="3017160"/>
+            <a:off x="6217920" y="1031040"/>
+            <a:ext cx="2925360" cy="3016800"/>
           </a:xfrm>
           <a:prstGeom prst="rect">
             <a:avLst/>
@@ -6878,8 +6998,8 @@
         </p:nvSpPr>
         <p:spPr>
           <a:xfrm>
-            <a:off x="2194560" y="4480560"/>
-            <a:ext cx="4023000" cy="2377080"/>
+            <a:off x="2194560" y="4048560"/>
+            <a:ext cx="4022640" cy="2376720"/>
           </a:xfrm>
           <a:prstGeom prst="rect">
             <a:avLst/>
@@ -6929,8 +7049,8 @@
         </p:nvSpPr>
         <p:spPr>
           <a:xfrm>
-            <a:off x="6217920" y="4480560"/>
-            <a:ext cx="2925720" cy="2377080"/>
+            <a:off x="6217920" y="4048560"/>
+            <a:ext cx="2925360" cy="2376720"/>
           </a:xfrm>
           <a:prstGeom prst="rect">
             <a:avLst/>
@@ -6980,8 +7100,8 @@
         </p:nvSpPr>
         <p:spPr>
           <a:xfrm>
-            <a:off x="274320" y="2011680"/>
-            <a:ext cx="1645560" cy="365400"/>
+            <a:off x="274320" y="2479680"/>
+            <a:ext cx="1645200" cy="365040"/>
           </a:xfrm>
           <a:prstGeom prst="rect">
             <a:avLst/>
@@ -7031,8 +7151,8 @@
         </p:nvSpPr>
         <p:spPr>
           <a:xfrm>
-            <a:off x="274320" y="2560320"/>
-            <a:ext cx="1645560" cy="365400"/>
+            <a:off x="274320" y="3028320"/>
+            <a:ext cx="1645200" cy="365040"/>
           </a:xfrm>
           <a:prstGeom prst="rect">
             <a:avLst/>
@@ -7082,8 +7202,8 @@
         </p:nvSpPr>
         <p:spPr>
           <a:xfrm>
-            <a:off x="274320" y="3108960"/>
-            <a:ext cx="1645560" cy="365400"/>
+            <a:off x="274320" y="3576960"/>
+            <a:ext cx="1645200" cy="365040"/>
           </a:xfrm>
           <a:prstGeom prst="rect">
             <a:avLst/>
@@ -7120,6 +7240,49 @@
                 <a:ea typeface="DejaVu Sans"/>
               </a:rPr>
               <a:t>User limit</a:t>
+            </a:r>
+            <a:endParaRPr/>
+          </a:p>
+        </p:txBody>
+      </p:sp>
+      <p:sp>
+        <p:nvSpPr>
+          <p:cNvPr id="162" name="CustomShape 14"/>
+          <p:cNvSpPr/>
+          <p:nvPr/>
+        </p:nvSpPr>
+        <p:spPr>
+          <a:xfrm>
+            <a:off x="2194560" y="6766560"/>
+            <a:ext cx="6949440" cy="548640"/>
+          </a:xfrm>
+          <a:prstGeom prst="rect">
+            <a:avLst/>
+          </a:prstGeom>
+          <a:solidFill>
+            <a:srgbClr val="729fcf"/>
+          </a:solidFill>
+          <a:ln>
+            <a:solidFill>
+              <a:srgbClr val="3465a4"/>
+            </a:solidFill>
+          </a:ln>
+        </p:spPr>
+        <p:style>
+          <a:lnRef idx="0"/>
+          <a:fillRef idx="0"/>
+          <a:effectRef idx="0"/>
+          <a:fontRef idx="minor"/>
+        </p:style>
+        <p:txBody>
+          <a:bodyPr wrap="none" lIns="90000" rIns="90000" tIns="45000" bIns="45000" anchor="ctr"/>
+          <a:p>
+            <a:pPr algn="ctr"/>
+            <a:r>
+              <a:rPr lang="en-US">
+                <a:latin typeface="Arial"/>
+              </a:rPr>
+              <a:t>Backbone CommentShow View (composite)</a:t>
             </a:r>
             <a:endParaRPr/>
           </a:p>
